--- a/RTT-GDC Talk.pptx
+++ b/RTT-GDC Talk.pptx
@@ -1442,7 +1442,7 @@
           <a:p>
             <a:fld id="{8F3FEAC0-4485-4183-9D2F-B95A78A5A5B3}" type="datetimeFigureOut">
               <a:rPr lang="en-GB" smtClean="0"/>
-              <a:t>28/08/2021</a:t>
+              <a:t>15/09/2021</a:t>
             </a:fld>
             <a:endParaRPr lang="en-GB"/>
           </a:p>
@@ -2145,7 +2145,7 @@
           <a:p>
             <a:fld id="{5334E2B5-F775-47D3-BA3B-9FD4FB1D1B05}" type="datetimeFigureOut">
               <a:rPr lang="en-GB" smtClean="0"/>
-              <a:t>28/08/2021</a:t>
+              <a:t>15/09/2021</a:t>
             </a:fld>
             <a:endParaRPr lang="en-GB"/>
           </a:p>
@@ -2345,7 +2345,7 @@
           <a:p>
             <a:fld id="{5334E2B5-F775-47D3-BA3B-9FD4FB1D1B05}" type="datetimeFigureOut">
               <a:rPr lang="en-GB" smtClean="0"/>
-              <a:t>28/08/2021</a:t>
+              <a:t>15/09/2021</a:t>
             </a:fld>
             <a:endParaRPr lang="en-GB"/>
           </a:p>
@@ -2555,7 +2555,7 @@
           <a:p>
             <a:fld id="{5334E2B5-F775-47D3-BA3B-9FD4FB1D1B05}" type="datetimeFigureOut">
               <a:rPr lang="en-GB" smtClean="0"/>
-              <a:t>28/08/2021</a:t>
+              <a:t>15/09/2021</a:t>
             </a:fld>
             <a:endParaRPr lang="en-GB"/>
           </a:p>
@@ -2755,7 +2755,7 @@
           <a:p>
             <a:fld id="{5334E2B5-F775-47D3-BA3B-9FD4FB1D1B05}" type="datetimeFigureOut">
               <a:rPr lang="en-GB" smtClean="0"/>
-              <a:t>28/08/2021</a:t>
+              <a:t>15/09/2021</a:t>
             </a:fld>
             <a:endParaRPr lang="en-GB"/>
           </a:p>
@@ -3031,7 +3031,7 @@
           <a:p>
             <a:fld id="{5334E2B5-F775-47D3-BA3B-9FD4FB1D1B05}" type="datetimeFigureOut">
               <a:rPr lang="en-GB" smtClean="0"/>
-              <a:t>28/08/2021</a:t>
+              <a:t>15/09/2021</a:t>
             </a:fld>
             <a:endParaRPr lang="en-GB"/>
           </a:p>
@@ -3299,7 +3299,7 @@
           <a:p>
             <a:fld id="{5334E2B5-F775-47D3-BA3B-9FD4FB1D1B05}" type="datetimeFigureOut">
               <a:rPr lang="en-GB" smtClean="0"/>
-              <a:t>28/08/2021</a:t>
+              <a:t>15/09/2021</a:t>
             </a:fld>
             <a:endParaRPr lang="en-GB"/>
           </a:p>
@@ -3714,7 +3714,7 @@
           <a:p>
             <a:fld id="{5334E2B5-F775-47D3-BA3B-9FD4FB1D1B05}" type="datetimeFigureOut">
               <a:rPr lang="en-GB" smtClean="0"/>
-              <a:t>28/08/2021</a:t>
+              <a:t>15/09/2021</a:t>
             </a:fld>
             <a:endParaRPr lang="en-GB"/>
           </a:p>
@@ -3856,7 +3856,7 @@
           <a:p>
             <a:fld id="{5334E2B5-F775-47D3-BA3B-9FD4FB1D1B05}" type="datetimeFigureOut">
               <a:rPr lang="en-GB" smtClean="0"/>
-              <a:t>28/08/2021</a:t>
+              <a:t>15/09/2021</a:t>
             </a:fld>
             <a:endParaRPr lang="en-GB"/>
           </a:p>
@@ -3969,7 +3969,7 @@
           <a:p>
             <a:fld id="{5334E2B5-F775-47D3-BA3B-9FD4FB1D1B05}" type="datetimeFigureOut">
               <a:rPr lang="en-GB" smtClean="0"/>
-              <a:t>28/08/2021</a:t>
+              <a:t>15/09/2021</a:t>
             </a:fld>
             <a:endParaRPr lang="en-GB"/>
           </a:p>
@@ -4282,7 +4282,7 @@
           <a:p>
             <a:fld id="{5334E2B5-F775-47D3-BA3B-9FD4FB1D1B05}" type="datetimeFigureOut">
               <a:rPr lang="en-GB" smtClean="0"/>
-              <a:t>28/08/2021</a:t>
+              <a:t>15/09/2021</a:t>
             </a:fld>
             <a:endParaRPr lang="en-GB"/>
           </a:p>
@@ -4571,7 +4571,7 @@
           <a:p>
             <a:fld id="{5334E2B5-F775-47D3-BA3B-9FD4FB1D1B05}" type="datetimeFigureOut">
               <a:rPr lang="en-GB" smtClean="0"/>
-              <a:t>28/08/2021</a:t>
+              <a:t>15/09/2021</a:t>
             </a:fld>
             <a:endParaRPr lang="en-GB"/>
           </a:p>
@@ -4814,7 +4814,7 @@
           <a:p>
             <a:fld id="{5334E2B5-F775-47D3-BA3B-9FD4FB1D1B05}" type="datetimeFigureOut">
               <a:rPr lang="en-GB" smtClean="0"/>
-              <a:t>28/08/2021</a:t>
+              <a:t>15/09/2021</a:t>
             </a:fld>
             <a:endParaRPr lang="en-GB"/>
           </a:p>
@@ -6894,6 +6894,790 @@
           </a:extLst>
         </p:spPr>
       </p:pic>
+      <p:pic>
+        <p:nvPicPr>
+          <p:cNvPr id="13" name="Picture 2" descr="Logo&#10;&#10;Description automatically generated">
+            <a:extLst>
+              <a:ext uri="{FF2B5EF4-FFF2-40B4-BE49-F238E27FC236}">
+                <a16:creationId xmlns:a16="http://schemas.microsoft.com/office/drawing/2014/main" id="{C2E116E2-F654-4597-8389-CF63D95661F8}"/>
+              </a:ext>
+            </a:extLst>
+          </p:cNvPr>
+          <p:cNvPicPr>
+            <a:picLocks noChangeAspect="1"/>
+          </p:cNvPicPr>
+          <p:nvPr/>
+        </p:nvPicPr>
+        <p:blipFill>
+          <a:blip r:embed="rId3">
+            <a:extLst>
+              <a:ext uri="{28A0092B-C50C-407E-A947-70E740481C1C}">
+                <a14:useLocalDpi xmlns:a14="http://schemas.microsoft.com/office/drawing/2010/main" val="0"/>
+              </a:ext>
+            </a:extLst>
+          </a:blip>
+          <a:stretch>
+            <a:fillRect/>
+          </a:stretch>
+        </p:blipFill>
+        <p:spPr>
+          <a:xfrm>
+            <a:off x="1395978" y="2826706"/>
+            <a:ext cx="1935348" cy="752800"/>
+          </a:xfrm>
+          <a:prstGeom prst="rect">
+            <a:avLst/>
+          </a:prstGeom>
+        </p:spPr>
+      </p:pic>
+      <p:pic>
+        <p:nvPicPr>
+          <p:cNvPr id="14" name="Picture 4" descr="Ros-Rotary Encoder :-counting the rotation. - YouTube">
+            <a:extLst>
+              <a:ext uri="{FF2B5EF4-FFF2-40B4-BE49-F238E27FC236}">
+                <a16:creationId xmlns:a16="http://schemas.microsoft.com/office/drawing/2014/main" id="{A8A2CED1-158E-4D74-9BC1-6EB2907A1FA5}"/>
+              </a:ext>
+            </a:extLst>
+          </p:cNvPr>
+          <p:cNvPicPr>
+            <a:picLocks noChangeAspect="1" noChangeArrowheads="1"/>
+          </p:cNvPicPr>
+          <p:nvPr/>
+        </p:nvPicPr>
+        <p:blipFill rotWithShape="1">
+          <a:blip r:embed="rId4">
+            <a:extLst>
+              <a:ext uri="{28A0092B-C50C-407E-A947-70E740481C1C}">
+                <a14:useLocalDpi xmlns:a14="http://schemas.microsoft.com/office/drawing/2010/main" val="0"/>
+              </a:ext>
+            </a:extLst>
+          </a:blip>
+          <a:srcRect t="23529" b="24006"/>
+          <a:stretch/>
+        </p:blipFill>
+        <p:spPr bwMode="auto">
+          <a:xfrm>
+            <a:off x="5266674" y="3187201"/>
+            <a:ext cx="1742902" cy="685800"/>
+          </a:xfrm>
+          <a:prstGeom prst="rect">
+            <a:avLst/>
+          </a:prstGeom>
+          <a:noFill/>
+          <a:extLst>
+            <a:ext uri="{909E8E84-426E-40DD-AFC4-6F175D3DCCD1}">
+              <a14:hiddenFill xmlns:a14="http://schemas.microsoft.com/office/drawing/2010/main">
+                <a:solidFill>
+                  <a:srgbClr val="FFFFFF"/>
+                </a:solidFill>
+              </a14:hiddenFill>
+            </a:ext>
+          </a:extLst>
+        </p:spPr>
+      </p:pic>
+      <p:sp>
+        <p:nvSpPr>
+          <p:cNvPr id="16" name="TextBox 3">
+            <a:extLst>
+              <a:ext uri="{FF2B5EF4-FFF2-40B4-BE49-F238E27FC236}">
+                <a16:creationId xmlns:a16="http://schemas.microsoft.com/office/drawing/2014/main" id="{60C86687-DCF7-41D4-B686-F05488645C2B}"/>
+              </a:ext>
+            </a:extLst>
+          </p:cNvPr>
+          <p:cNvSpPr txBox="1"/>
+          <p:nvPr/>
+        </p:nvSpPr>
+        <p:spPr>
+          <a:xfrm>
+            <a:off x="5600909" y="3659361"/>
+            <a:ext cx="1055716" cy="369332"/>
+          </a:xfrm>
+          <a:prstGeom prst="rect">
+            <a:avLst/>
+          </a:prstGeom>
+          <a:noFill/>
+        </p:spPr>
+        <p:txBody>
+          <a:bodyPr wrap="square" rtlCol="0">
+            <a:spAutoFit/>
+          </a:bodyPr>
+          <a:lstStyle/>
+          <a:p>
+            <a:pPr algn="ctr"/>
+            <a:r>
+              <a:rPr lang="en-GB" dirty="0"/>
+              <a:t>rosserial</a:t>
+            </a:r>
+          </a:p>
+        </p:txBody>
+      </p:sp>
+      <p:cxnSp>
+        <p:nvCxnSpPr>
+          <p:cNvPr id="18" name="Straight Arrow Connector 5">
+            <a:extLst>
+              <a:ext uri="{FF2B5EF4-FFF2-40B4-BE49-F238E27FC236}">
+                <a16:creationId xmlns:a16="http://schemas.microsoft.com/office/drawing/2014/main" id="{F7C064CE-BD86-4A6A-A743-A45289502829}"/>
+              </a:ext>
+            </a:extLst>
+          </p:cNvPr>
+          <p:cNvCxnSpPr>
+            <a:stCxn id="13" idx="3"/>
+          </p:cNvCxnSpPr>
+          <p:nvPr/>
+        </p:nvCxnSpPr>
+        <p:spPr>
+          <a:xfrm>
+            <a:off x="3331326" y="3203106"/>
+            <a:ext cx="5578319" cy="0"/>
+          </a:xfrm>
+          <a:prstGeom prst="straightConnector1">
+            <a:avLst/>
+          </a:prstGeom>
+          <a:ln w="19050">
+            <a:tailEnd type="triangle"/>
+          </a:ln>
+        </p:spPr>
+        <p:style>
+          <a:lnRef idx="1">
+            <a:schemeClr val="dk1"/>
+          </a:lnRef>
+          <a:fillRef idx="0">
+            <a:schemeClr val="dk1"/>
+          </a:fillRef>
+          <a:effectRef idx="0">
+            <a:schemeClr val="dk1"/>
+          </a:effectRef>
+          <a:fontRef idx="minor">
+            <a:schemeClr val="tx1"/>
+          </a:fontRef>
+        </p:style>
+      </p:cxnSp>
+      <p:pic>
+        <p:nvPicPr>
+          <p:cNvPr id="19" name="Picture 8">
+            <a:extLst>
+              <a:ext uri="{FF2B5EF4-FFF2-40B4-BE49-F238E27FC236}">
+                <a16:creationId xmlns:a16="http://schemas.microsoft.com/office/drawing/2014/main" id="{05B3CD4F-7280-4E74-80D3-1312C9A05AE0}"/>
+              </a:ext>
+            </a:extLst>
+          </p:cNvPr>
+          <p:cNvPicPr>
+            <a:picLocks noChangeAspect="1" noChangeArrowheads="1"/>
+          </p:cNvPicPr>
+          <p:nvPr/>
+        </p:nvPicPr>
+        <p:blipFill>
+          <a:blip r:embed="rId6">
+            <a:extLst>
+              <a:ext uri="{28A0092B-C50C-407E-A947-70E740481C1C}">
+                <a14:useLocalDpi xmlns:a14="http://schemas.microsoft.com/office/drawing/2010/main" val="0"/>
+              </a:ext>
+            </a:extLst>
+          </a:blip>
+          <a:srcRect/>
+          <a:stretch>
+            <a:fillRect/>
+          </a:stretch>
+        </p:blipFill>
+        <p:spPr bwMode="auto">
+          <a:xfrm>
+            <a:off x="9035936" y="3028079"/>
+            <a:ext cx="1317851" cy="350054"/>
+          </a:xfrm>
+          <a:prstGeom prst="rect">
+            <a:avLst/>
+          </a:prstGeom>
+          <a:noFill/>
+          <a:extLst>
+            <a:ext uri="{909E8E84-426E-40DD-AFC4-6F175D3DCCD1}">
+              <a14:hiddenFill xmlns:a14="http://schemas.microsoft.com/office/drawing/2010/main">
+                <a:solidFill>
+                  <a:srgbClr val="FFFFFF"/>
+                </a:solidFill>
+              </a14:hiddenFill>
+            </a:ext>
+          </a:extLst>
+        </p:spPr>
+      </p:pic>
+      <p:pic>
+        <p:nvPicPr>
+          <p:cNvPr id="20" name="Picture 16" descr="Telegram Themes for android and iOS | Telegram Themes">
+            <a:extLst>
+              <a:ext uri="{FF2B5EF4-FFF2-40B4-BE49-F238E27FC236}">
+                <a16:creationId xmlns:a16="http://schemas.microsoft.com/office/drawing/2014/main" id="{595FBCB1-E08E-47A2-8460-18104ED8CA45}"/>
+              </a:ext>
+            </a:extLst>
+          </p:cNvPr>
+          <p:cNvPicPr>
+            <a:picLocks noChangeAspect="1" noChangeArrowheads="1"/>
+          </p:cNvPicPr>
+          <p:nvPr/>
+        </p:nvPicPr>
+        <p:blipFill rotWithShape="1">
+          <a:blip r:embed="rId7">
+            <a:clrChange>
+              <a:clrFrom>
+                <a:srgbClr val="000000">
+                  <a:alpha val="0"/>
+                </a:srgbClr>
+              </a:clrFrom>
+              <a:clrTo>
+                <a:srgbClr val="000000">
+                  <a:alpha val="0"/>
+                </a:srgbClr>
+              </a:clrTo>
+            </a:clrChange>
+            <a:extLst>
+              <a:ext uri="{28A0092B-C50C-407E-A947-70E740481C1C}">
+                <a14:useLocalDpi xmlns:a14="http://schemas.microsoft.com/office/drawing/2010/main" val="0"/>
+              </a:ext>
+            </a:extLst>
+          </a:blip>
+          <a:srcRect b="23261"/>
+          <a:stretch/>
+        </p:blipFill>
+        <p:spPr bwMode="auto">
+          <a:xfrm>
+            <a:off x="9040770" y="3555170"/>
+            <a:ext cx="1313017" cy="428706"/>
+          </a:xfrm>
+          <a:prstGeom prst="rect">
+            <a:avLst/>
+          </a:prstGeom>
+          <a:noFill/>
+          <a:extLst>
+            <a:ext uri="{909E8E84-426E-40DD-AFC4-6F175D3DCCD1}">
+              <a14:hiddenFill xmlns:a14="http://schemas.microsoft.com/office/drawing/2010/main">
+                <a:solidFill>
+                  <a:srgbClr val="FFFFFF"/>
+                </a:solidFill>
+              </a14:hiddenFill>
+            </a:ext>
+          </a:extLst>
+        </p:spPr>
+      </p:pic>
+      <p:pic>
+        <p:nvPicPr>
+          <p:cNvPr id="21" name="Picture 18" descr="Microcontroller Icons - Download Free Vector Icons | Noun Project">
+            <a:extLst>
+              <a:ext uri="{FF2B5EF4-FFF2-40B4-BE49-F238E27FC236}">
+                <a16:creationId xmlns:a16="http://schemas.microsoft.com/office/drawing/2014/main" id="{C2530216-F377-4E1E-818C-E73BC3678E9F}"/>
+              </a:ext>
+            </a:extLst>
+          </p:cNvPr>
+          <p:cNvPicPr>
+            <a:picLocks noChangeAspect="1" noChangeArrowheads="1"/>
+          </p:cNvPicPr>
+          <p:nvPr/>
+        </p:nvPicPr>
+        <p:blipFill>
+          <a:blip r:embed="rId8">
+            <a:extLst>
+              <a:ext uri="{28A0092B-C50C-407E-A947-70E740481C1C}">
+                <a14:useLocalDpi xmlns:a14="http://schemas.microsoft.com/office/drawing/2010/main" val="0"/>
+              </a:ext>
+            </a:extLst>
+          </a:blip>
+          <a:srcRect/>
+          <a:stretch>
+            <a:fillRect/>
+          </a:stretch>
+        </p:blipFill>
+        <p:spPr bwMode="auto">
+          <a:xfrm rot="16200000">
+            <a:off x="2129719" y="3599766"/>
+            <a:ext cx="339514" cy="339514"/>
+          </a:xfrm>
+          <a:prstGeom prst="rect">
+            <a:avLst/>
+          </a:prstGeom>
+          <a:noFill/>
+          <a:extLst>
+            <a:ext uri="{909E8E84-426E-40DD-AFC4-6F175D3DCCD1}">
+              <a14:hiddenFill xmlns:a14="http://schemas.microsoft.com/office/drawing/2010/main">
+                <a:solidFill>
+                  <a:srgbClr val="FFFFFF"/>
+                </a:solidFill>
+              </a14:hiddenFill>
+            </a:ext>
+          </a:extLst>
+        </p:spPr>
+      </p:pic>
+      <p:pic>
+        <p:nvPicPr>
+          <p:cNvPr id="22" name="Picture 2" descr="Logo&#10;&#10;Description automatically generated">
+            <a:extLst>
+              <a:ext uri="{FF2B5EF4-FFF2-40B4-BE49-F238E27FC236}">
+                <a16:creationId xmlns:a16="http://schemas.microsoft.com/office/drawing/2014/main" id="{438CF00F-B50B-400B-A2FF-34AAA5E7FB47}"/>
+              </a:ext>
+            </a:extLst>
+          </p:cNvPr>
+          <p:cNvPicPr>
+            <a:picLocks noChangeAspect="1"/>
+          </p:cNvPicPr>
+          <p:nvPr/>
+        </p:nvPicPr>
+        <p:blipFill>
+          <a:blip r:embed="rId3">
+            <a:extLst>
+              <a:ext uri="{28A0092B-C50C-407E-A947-70E740481C1C}">
+                <a14:useLocalDpi xmlns:a14="http://schemas.microsoft.com/office/drawing/2010/main" val="0"/>
+              </a:ext>
+            </a:extLst>
+          </a:blip>
+          <a:stretch>
+            <a:fillRect/>
+          </a:stretch>
+        </p:blipFill>
+        <p:spPr>
+          <a:xfrm>
+            <a:off x="1395978" y="5007987"/>
+            <a:ext cx="1935348" cy="752800"/>
+          </a:xfrm>
+          <a:prstGeom prst="rect">
+            <a:avLst/>
+          </a:prstGeom>
+        </p:spPr>
+      </p:pic>
+      <p:pic>
+        <p:nvPicPr>
+          <p:cNvPr id="24" name="Picture 6" descr="micro-ROS | ROS 2 for microcontrollers">
+            <a:extLst>
+              <a:ext uri="{FF2B5EF4-FFF2-40B4-BE49-F238E27FC236}">
+                <a16:creationId xmlns:a16="http://schemas.microsoft.com/office/drawing/2014/main" id="{D3D86FAB-13F9-4715-B1D4-25B7041A5BA8}"/>
+              </a:ext>
+            </a:extLst>
+          </p:cNvPr>
+          <p:cNvPicPr>
+            <a:picLocks noChangeAspect="1" noChangeArrowheads="1"/>
+          </p:cNvPicPr>
+          <p:nvPr/>
+        </p:nvPicPr>
+        <p:blipFill>
+          <a:blip r:embed="rId5">
+            <a:extLst>
+              <a:ext uri="{28A0092B-C50C-407E-A947-70E740481C1C}">
+                <a14:useLocalDpi xmlns:a14="http://schemas.microsoft.com/office/drawing/2010/main" val="0"/>
+              </a:ext>
+            </a:extLst>
+          </a:blip>
+          <a:srcRect/>
+          <a:stretch>
+            <a:fillRect/>
+          </a:stretch>
+        </p:blipFill>
+        <p:spPr bwMode="auto">
+          <a:xfrm>
+            <a:off x="5642775" y="5510057"/>
+            <a:ext cx="972589" cy="329009"/>
+          </a:xfrm>
+          <a:prstGeom prst="rect">
+            <a:avLst/>
+          </a:prstGeom>
+          <a:noFill/>
+          <a:extLst>
+            <a:ext uri="{909E8E84-426E-40DD-AFC4-6F175D3DCCD1}">
+              <a14:hiddenFill xmlns:a14="http://schemas.microsoft.com/office/drawing/2010/main">
+                <a:solidFill>
+                  <a:srgbClr val="FFFFFF"/>
+                </a:solidFill>
+              </a14:hiddenFill>
+            </a:ext>
+          </a:extLst>
+        </p:spPr>
+      </p:pic>
+      <p:sp>
+        <p:nvSpPr>
+          <p:cNvPr id="26" name="TextBox 11">
+            <a:extLst>
+              <a:ext uri="{FF2B5EF4-FFF2-40B4-BE49-F238E27FC236}">
+                <a16:creationId xmlns:a16="http://schemas.microsoft.com/office/drawing/2014/main" id="{104F6149-B035-4EAA-A3CD-B5618E9D5D53}"/>
+              </a:ext>
+            </a:extLst>
+          </p:cNvPr>
+          <p:cNvSpPr txBox="1"/>
+          <p:nvPr/>
+        </p:nvSpPr>
+        <p:spPr>
+          <a:xfrm>
+            <a:off x="5461364" y="5814088"/>
+            <a:ext cx="1439701" cy="369332"/>
+          </a:xfrm>
+          <a:prstGeom prst="rect">
+            <a:avLst/>
+          </a:prstGeom>
+          <a:noFill/>
+        </p:spPr>
+        <p:txBody>
+          <a:bodyPr wrap="square" rtlCol="0">
+            <a:spAutoFit/>
+          </a:bodyPr>
+          <a:lstStyle/>
+          <a:p>
+            <a:pPr algn="ctr"/>
+            <a:r>
+              <a:rPr lang="en-GB" dirty="0"/>
+              <a:t>micro_ros</a:t>
+            </a:r>
+          </a:p>
+        </p:txBody>
+      </p:sp>
+      <p:cxnSp>
+        <p:nvCxnSpPr>
+          <p:cNvPr id="27" name="Straight Arrow Connector 5">
+            <a:extLst>
+              <a:ext uri="{FF2B5EF4-FFF2-40B4-BE49-F238E27FC236}">
+                <a16:creationId xmlns:a16="http://schemas.microsoft.com/office/drawing/2014/main" id="{D6138E3C-18E4-40D7-84D4-766CAF2D306A}"/>
+              </a:ext>
+            </a:extLst>
+          </p:cNvPr>
+          <p:cNvCxnSpPr>
+            <a:stCxn id="22" idx="3"/>
+          </p:cNvCxnSpPr>
+          <p:nvPr/>
+        </p:nvCxnSpPr>
+        <p:spPr>
+          <a:xfrm>
+            <a:off x="3331326" y="5384387"/>
+            <a:ext cx="5578319" cy="0"/>
+          </a:xfrm>
+          <a:prstGeom prst="straightConnector1">
+            <a:avLst/>
+          </a:prstGeom>
+          <a:ln w="19050">
+            <a:tailEnd type="triangle"/>
+          </a:ln>
+        </p:spPr>
+        <p:style>
+          <a:lnRef idx="1">
+            <a:schemeClr val="dk1"/>
+          </a:lnRef>
+          <a:fillRef idx="0">
+            <a:schemeClr val="dk1"/>
+          </a:fillRef>
+          <a:effectRef idx="0">
+            <a:schemeClr val="dk1"/>
+          </a:effectRef>
+          <a:fontRef idx="minor">
+            <a:schemeClr val="tx1"/>
+          </a:fontRef>
+        </p:style>
+      </p:cxnSp>
+      <p:pic>
+        <p:nvPicPr>
+          <p:cNvPr id="28" name="Picture 8">
+            <a:extLst>
+              <a:ext uri="{FF2B5EF4-FFF2-40B4-BE49-F238E27FC236}">
+                <a16:creationId xmlns:a16="http://schemas.microsoft.com/office/drawing/2014/main" id="{3052E9BF-B2C1-417A-B812-6F3BF5D01F48}"/>
+              </a:ext>
+            </a:extLst>
+          </p:cNvPr>
+          <p:cNvPicPr>
+            <a:picLocks noChangeAspect="1" noChangeArrowheads="1"/>
+          </p:cNvPicPr>
+          <p:nvPr/>
+        </p:nvPicPr>
+        <p:blipFill>
+          <a:blip r:embed="rId6">
+            <a:extLst>
+              <a:ext uri="{28A0092B-C50C-407E-A947-70E740481C1C}">
+                <a14:useLocalDpi xmlns:a14="http://schemas.microsoft.com/office/drawing/2010/main" val="0"/>
+              </a:ext>
+            </a:extLst>
+          </a:blip>
+          <a:srcRect/>
+          <a:stretch>
+            <a:fillRect/>
+          </a:stretch>
+        </p:blipFill>
+        <p:spPr bwMode="auto">
+          <a:xfrm>
+            <a:off x="9035936" y="5209360"/>
+            <a:ext cx="1317851" cy="350054"/>
+          </a:xfrm>
+          <a:prstGeom prst="rect">
+            <a:avLst/>
+          </a:prstGeom>
+          <a:noFill/>
+          <a:extLst>
+            <a:ext uri="{909E8E84-426E-40DD-AFC4-6F175D3DCCD1}">
+              <a14:hiddenFill xmlns:a14="http://schemas.microsoft.com/office/drawing/2010/main">
+                <a:solidFill>
+                  <a:srgbClr val="FFFFFF"/>
+                </a:solidFill>
+              </a14:hiddenFill>
+            </a:ext>
+          </a:extLst>
+        </p:spPr>
+      </p:pic>
+      <p:pic>
+        <p:nvPicPr>
+          <p:cNvPr id="29" name="Picture 16" descr="Telegram Themes for android and iOS | Telegram Themes">
+            <a:extLst>
+              <a:ext uri="{FF2B5EF4-FFF2-40B4-BE49-F238E27FC236}">
+                <a16:creationId xmlns:a16="http://schemas.microsoft.com/office/drawing/2014/main" id="{2B542C7B-5976-44BF-938A-38D00CF4257F}"/>
+              </a:ext>
+            </a:extLst>
+          </p:cNvPr>
+          <p:cNvPicPr>
+            <a:picLocks noChangeAspect="1" noChangeArrowheads="1"/>
+          </p:cNvPicPr>
+          <p:nvPr/>
+        </p:nvPicPr>
+        <p:blipFill rotWithShape="1">
+          <a:blip r:embed="rId7">
+            <a:clrChange>
+              <a:clrFrom>
+                <a:srgbClr val="000000">
+                  <a:alpha val="0"/>
+                </a:srgbClr>
+              </a:clrFrom>
+              <a:clrTo>
+                <a:srgbClr val="000000">
+                  <a:alpha val="0"/>
+                </a:srgbClr>
+              </a:clrTo>
+            </a:clrChange>
+            <a:extLst>
+              <a:ext uri="{28A0092B-C50C-407E-A947-70E740481C1C}">
+                <a14:useLocalDpi xmlns:a14="http://schemas.microsoft.com/office/drawing/2010/main" val="0"/>
+              </a:ext>
+            </a:extLst>
+          </a:blip>
+          <a:srcRect b="23261"/>
+          <a:stretch/>
+        </p:blipFill>
+        <p:spPr bwMode="auto">
+          <a:xfrm>
+            <a:off x="9040770" y="5736451"/>
+            <a:ext cx="1313017" cy="428706"/>
+          </a:xfrm>
+          <a:prstGeom prst="rect">
+            <a:avLst/>
+          </a:prstGeom>
+          <a:noFill/>
+          <a:extLst>
+            <a:ext uri="{909E8E84-426E-40DD-AFC4-6F175D3DCCD1}">
+              <a14:hiddenFill xmlns:a14="http://schemas.microsoft.com/office/drawing/2010/main">
+                <a:solidFill>
+                  <a:srgbClr val="FFFFFF"/>
+                </a:solidFill>
+              </a14:hiddenFill>
+            </a:ext>
+          </a:extLst>
+        </p:spPr>
+      </p:pic>
+      <p:pic>
+        <p:nvPicPr>
+          <p:cNvPr id="30" name="Picture 18" descr="Microcontroller Icons - Download Free Vector Icons | Noun Project">
+            <a:extLst>
+              <a:ext uri="{FF2B5EF4-FFF2-40B4-BE49-F238E27FC236}">
+                <a16:creationId xmlns:a16="http://schemas.microsoft.com/office/drawing/2014/main" id="{9FF85F8D-2DC0-49D1-8590-2377BB8E95B2}"/>
+              </a:ext>
+            </a:extLst>
+          </p:cNvPr>
+          <p:cNvPicPr>
+            <a:picLocks noChangeAspect="1" noChangeArrowheads="1"/>
+          </p:cNvPicPr>
+          <p:nvPr/>
+        </p:nvPicPr>
+        <p:blipFill>
+          <a:blip r:embed="rId8">
+            <a:extLst>
+              <a:ext uri="{28A0092B-C50C-407E-A947-70E740481C1C}">
+                <a14:useLocalDpi xmlns:a14="http://schemas.microsoft.com/office/drawing/2010/main" val="0"/>
+              </a:ext>
+            </a:extLst>
+          </a:blip>
+          <a:srcRect/>
+          <a:stretch>
+            <a:fillRect/>
+          </a:stretch>
+        </p:blipFill>
+        <p:spPr bwMode="auto">
+          <a:xfrm rot="16200000">
+            <a:off x="2129719" y="5781047"/>
+            <a:ext cx="339514" cy="339514"/>
+          </a:xfrm>
+          <a:prstGeom prst="rect">
+            <a:avLst/>
+          </a:prstGeom>
+          <a:noFill/>
+          <a:extLst>
+            <a:ext uri="{909E8E84-426E-40DD-AFC4-6F175D3DCCD1}">
+              <a14:hiddenFill xmlns:a14="http://schemas.microsoft.com/office/drawing/2010/main">
+                <a:solidFill>
+                  <a:srgbClr val="FFFFFF"/>
+                </a:solidFill>
+              </a14:hiddenFill>
+            </a:ext>
+          </a:extLst>
+        </p:spPr>
+      </p:pic>
+      <p:sp>
+        <p:nvSpPr>
+          <p:cNvPr id="31" name="TextBox 3">
+            <a:extLst>
+              <a:ext uri="{FF2B5EF4-FFF2-40B4-BE49-F238E27FC236}">
+                <a16:creationId xmlns:a16="http://schemas.microsoft.com/office/drawing/2014/main" id="{DAA6B6B9-BD13-4B15-B2A0-E3803CE95DFC}"/>
+              </a:ext>
+            </a:extLst>
+          </p:cNvPr>
+          <p:cNvSpPr txBox="1"/>
+          <p:nvPr/>
+        </p:nvSpPr>
+        <p:spPr>
+          <a:xfrm>
+            <a:off x="1301956" y="3983876"/>
+            <a:ext cx="1995039" cy="369332"/>
+          </a:xfrm>
+          <a:prstGeom prst="rect">
+            <a:avLst/>
+          </a:prstGeom>
+          <a:noFill/>
+        </p:spPr>
+        <p:txBody>
+          <a:bodyPr wrap="square" rtlCol="0">
+            <a:spAutoFit/>
+          </a:bodyPr>
+          <a:lstStyle/>
+          <a:p>
+            <a:pPr algn="ctr"/>
+            <a:r>
+              <a:rPr lang="en-GB" dirty="0"/>
+              <a:t>rosserial </a:t>
+            </a:r>
+            <a:r>
+              <a:rPr lang="en-US" altLang="zh-CN" dirty="0"/>
+              <a:t>package</a:t>
+            </a:r>
+            <a:endParaRPr lang="en-GB" dirty="0"/>
+          </a:p>
+        </p:txBody>
+      </p:sp>
+      <p:sp>
+        <p:nvSpPr>
+          <p:cNvPr id="32" name="TextBox 3">
+            <a:extLst>
+              <a:ext uri="{FF2B5EF4-FFF2-40B4-BE49-F238E27FC236}">
+                <a16:creationId xmlns:a16="http://schemas.microsoft.com/office/drawing/2014/main" id="{9D669044-34F9-417A-AFD7-610661C2A06C}"/>
+              </a:ext>
+            </a:extLst>
+          </p:cNvPr>
+          <p:cNvSpPr txBox="1"/>
+          <p:nvPr/>
+        </p:nvSpPr>
+        <p:spPr>
+          <a:xfrm>
+            <a:off x="8697341" y="3983876"/>
+            <a:ext cx="1995039" cy="369332"/>
+          </a:xfrm>
+          <a:prstGeom prst="rect">
+            <a:avLst/>
+          </a:prstGeom>
+          <a:noFill/>
+        </p:spPr>
+        <p:txBody>
+          <a:bodyPr wrap="square" rtlCol="0">
+            <a:spAutoFit/>
+          </a:bodyPr>
+          <a:lstStyle/>
+          <a:p>
+            <a:pPr algn="ctr"/>
+            <a:r>
+              <a:rPr lang="en-GB" dirty="0"/>
+              <a:t>rosserial </a:t>
+            </a:r>
+            <a:r>
+              <a:rPr lang="en-US" altLang="zh-CN" dirty="0"/>
+              <a:t>node</a:t>
+            </a:r>
+            <a:endParaRPr lang="en-GB" dirty="0"/>
+          </a:p>
+        </p:txBody>
+      </p:sp>
+      <p:sp>
+        <p:nvSpPr>
+          <p:cNvPr id="35" name="TextBox 3">
+            <a:extLst>
+              <a:ext uri="{FF2B5EF4-FFF2-40B4-BE49-F238E27FC236}">
+                <a16:creationId xmlns:a16="http://schemas.microsoft.com/office/drawing/2014/main" id="{4861342C-3690-487C-A15A-7CF1269497C4}"/>
+              </a:ext>
+            </a:extLst>
+          </p:cNvPr>
+          <p:cNvSpPr txBox="1"/>
+          <p:nvPr/>
+        </p:nvSpPr>
+        <p:spPr>
+          <a:xfrm>
+            <a:off x="1336287" y="6192514"/>
+            <a:ext cx="1995039" cy="369332"/>
+          </a:xfrm>
+          <a:prstGeom prst="rect">
+            <a:avLst/>
+          </a:prstGeom>
+          <a:noFill/>
+        </p:spPr>
+        <p:txBody>
+          <a:bodyPr wrap="square" rtlCol="0">
+            <a:spAutoFit/>
+          </a:bodyPr>
+          <a:lstStyle/>
+          <a:p>
+            <a:pPr algn="ctr"/>
+            <a:r>
+              <a:rPr lang="en-GB" dirty="0"/>
+              <a:t>micro_ros </a:t>
+            </a:r>
+            <a:r>
+              <a:rPr lang="en-US" altLang="zh-CN" dirty="0"/>
+              <a:t>package</a:t>
+            </a:r>
+            <a:endParaRPr lang="en-GB" dirty="0"/>
+          </a:p>
+        </p:txBody>
+      </p:sp>
+      <p:sp>
+        <p:nvSpPr>
+          <p:cNvPr id="36" name="TextBox 3">
+            <a:extLst>
+              <a:ext uri="{FF2B5EF4-FFF2-40B4-BE49-F238E27FC236}">
+                <a16:creationId xmlns:a16="http://schemas.microsoft.com/office/drawing/2014/main" id="{E85B6568-0DC4-49EB-86CD-63DE7943B201}"/>
+              </a:ext>
+            </a:extLst>
+          </p:cNvPr>
+          <p:cNvSpPr txBox="1"/>
+          <p:nvPr/>
+        </p:nvSpPr>
+        <p:spPr>
+          <a:xfrm>
+            <a:off x="8697340" y="6260346"/>
+            <a:ext cx="1995039" cy="369332"/>
+          </a:xfrm>
+          <a:prstGeom prst="rect">
+            <a:avLst/>
+          </a:prstGeom>
+          <a:noFill/>
+        </p:spPr>
+        <p:txBody>
+          <a:bodyPr wrap="square" rtlCol="0">
+            <a:spAutoFit/>
+          </a:bodyPr>
+          <a:lstStyle/>
+          <a:p>
+            <a:pPr algn="ctr"/>
+            <a:r>
+              <a:rPr lang="en-GB" dirty="0"/>
+              <a:t>micro_ros </a:t>
+            </a:r>
+            <a:r>
+              <a:rPr lang="en-US" altLang="zh-CN" dirty="0"/>
+              <a:t>agent</a:t>
+            </a:r>
+            <a:endParaRPr lang="en-GB" dirty="0"/>
+          </a:p>
+        </p:txBody>
+      </p:sp>
     </p:spTree>
     <p:extLst>
       <p:ext uri="{BB962C8B-B14F-4D97-AF65-F5344CB8AC3E}">

--- a/RTT-GDC Talk.pptx
+++ b/RTT-GDC Talk.pptx
@@ -5,12 +5,13 @@
     <p:sldMasterId id="2147483648" r:id="rId1"/>
   </p:sldMasterIdLst>
   <p:notesMasterIdLst>
-    <p:notesMasterId r:id="rId5"/>
+    <p:notesMasterId r:id="rId6"/>
   </p:notesMasterIdLst>
   <p:sldIdLst>
     <p:sldId id="256" r:id="rId2"/>
     <p:sldId id="282" r:id="rId3"/>
     <p:sldId id="277" r:id="rId4"/>
+    <p:sldId id="284" r:id="rId5"/>
   </p:sldIdLst>
   <p:sldSz cx="12192000" cy="6858000"/>
   <p:notesSz cx="6858000" cy="9144000"/>
@@ -121,6 +122,7 @@
           <p14:sldIdLst>
             <p14:sldId id="282"/>
             <p14:sldId id="277"/>
+            <p14:sldId id="284"/>
           </p14:sldIdLst>
         </p14:section>
       </p14:sectionLst>
@@ -1442,7 +1444,7 @@
           <a:p>
             <a:fld id="{8F3FEAC0-4485-4183-9D2F-B95A78A5A5B3}" type="datetimeFigureOut">
               <a:rPr lang="en-GB" smtClean="0"/>
-              <a:t>15/09/2021</a:t>
+              <a:t>16/09/2021</a:t>
             </a:fld>
             <a:endParaRPr lang="en-GB"/>
           </a:p>
@@ -1996,6 +1998,107 @@
 </p:notes>
 </file>
 
+<file path=ppt/notesSlides/notesSlide4.xml><?xml version="1.0" encoding="utf-8"?>
+<p:notes xmlns:a="http://schemas.openxmlformats.org/drawingml/2006/main" xmlns:r="http://schemas.openxmlformats.org/officeDocument/2006/relationships" xmlns:p="http://schemas.openxmlformats.org/presentationml/2006/main">
+  <p:cSld>
+    <p:spTree>
+      <p:nvGrpSpPr>
+        <p:cNvPr id="1" name=""/>
+        <p:cNvGrpSpPr/>
+        <p:nvPr/>
+      </p:nvGrpSpPr>
+      <p:grpSpPr>
+        <a:xfrm>
+          <a:off x="0" y="0"/>
+          <a:ext cx="0" cy="0"/>
+          <a:chOff x="0" y="0"/>
+          <a:chExt cx="0" cy="0"/>
+        </a:xfrm>
+      </p:grpSpPr>
+      <p:sp>
+        <p:nvSpPr>
+          <p:cNvPr id="2" name="Slide Image Placeholder 1"/>
+          <p:cNvSpPr>
+            <a:spLocks noGrp="1" noRot="1" noChangeAspect="1"/>
+          </p:cNvSpPr>
+          <p:nvPr>
+            <p:ph type="sldImg"/>
+          </p:nvPr>
+        </p:nvSpPr>
+        <p:spPr/>
+      </p:sp>
+      <p:sp>
+        <p:nvSpPr>
+          <p:cNvPr id="3" name="Notes Placeholder 2"/>
+          <p:cNvSpPr>
+            <a:spLocks noGrp="1"/>
+          </p:cNvSpPr>
+          <p:nvPr>
+            <p:ph type="body" idx="1"/>
+          </p:nvPr>
+        </p:nvSpPr>
+        <p:spPr/>
+        <p:txBody>
+          <a:bodyPr/>
+          <a:lstStyle/>
+          <a:p>
+            <a:pPr marL="0" marR="0" lvl="0" indent="0" algn="l" defTabSz="914400" rtl="0" eaLnBrk="1" fontAlgn="auto" latinLnBrk="0" hangingPunct="1">
+              <a:lnSpc>
+                <a:spcPct val="100000"/>
+              </a:lnSpc>
+              <a:spcBef>
+                <a:spcPts val="0"/>
+              </a:spcBef>
+              <a:spcAft>
+                <a:spcPts val="0"/>
+              </a:spcAft>
+              <a:buClrTx/>
+              <a:buSzTx/>
+              <a:buFontTx/>
+              <a:buNone/>
+              <a:tabLst/>
+              <a:defRPr/>
+            </a:pPr>
+            <a:endParaRPr lang="en-GB" dirty="0"/>
+          </a:p>
+        </p:txBody>
+      </p:sp>
+      <p:sp>
+        <p:nvSpPr>
+          <p:cNvPr id="4" name="Slide Number Placeholder 3"/>
+          <p:cNvSpPr>
+            <a:spLocks noGrp="1"/>
+          </p:cNvSpPr>
+          <p:nvPr>
+            <p:ph type="sldNum" sz="quarter" idx="5"/>
+          </p:nvPr>
+        </p:nvSpPr>
+        <p:spPr/>
+        <p:txBody>
+          <a:bodyPr/>
+          <a:lstStyle/>
+          <a:p>
+            <a:fld id="{2B15388D-8250-4CCC-9306-F03303006454}" type="slidenum">
+              <a:rPr lang="en-GB" smtClean="0"/>
+              <a:t>4</a:t>
+            </a:fld>
+            <a:endParaRPr lang="en-GB"/>
+          </a:p>
+        </p:txBody>
+      </p:sp>
+    </p:spTree>
+    <p:extLst>
+      <p:ext uri="{BB962C8B-B14F-4D97-AF65-F5344CB8AC3E}">
+        <p14:creationId xmlns:p14="http://schemas.microsoft.com/office/powerpoint/2010/main" val="3587137263"/>
+      </p:ext>
+    </p:extLst>
+  </p:cSld>
+  <p:clrMapOvr>
+    <a:masterClrMapping/>
+  </p:clrMapOvr>
+</p:notes>
+</file>
+
 <file path=ppt/slideLayouts/slideLayout1.xml><?xml version="1.0" encoding="utf-8"?>
 <p:sldLayout xmlns:a="http://schemas.openxmlformats.org/drawingml/2006/main" xmlns:r="http://schemas.openxmlformats.org/officeDocument/2006/relationships" xmlns:p="http://schemas.openxmlformats.org/presentationml/2006/main" type="title" preserve="1">
   <p:cSld name="Title Slide">
@@ -2145,7 +2248,7 @@
           <a:p>
             <a:fld id="{5334E2B5-F775-47D3-BA3B-9FD4FB1D1B05}" type="datetimeFigureOut">
               <a:rPr lang="en-GB" smtClean="0"/>
-              <a:t>15/09/2021</a:t>
+              <a:t>16/09/2021</a:t>
             </a:fld>
             <a:endParaRPr lang="en-GB"/>
           </a:p>
@@ -2345,7 +2448,7 @@
           <a:p>
             <a:fld id="{5334E2B5-F775-47D3-BA3B-9FD4FB1D1B05}" type="datetimeFigureOut">
               <a:rPr lang="en-GB" smtClean="0"/>
-              <a:t>15/09/2021</a:t>
+              <a:t>16/09/2021</a:t>
             </a:fld>
             <a:endParaRPr lang="en-GB"/>
           </a:p>
@@ -2555,7 +2658,7 @@
           <a:p>
             <a:fld id="{5334E2B5-F775-47D3-BA3B-9FD4FB1D1B05}" type="datetimeFigureOut">
               <a:rPr lang="en-GB" smtClean="0"/>
-              <a:t>15/09/2021</a:t>
+              <a:t>16/09/2021</a:t>
             </a:fld>
             <a:endParaRPr lang="en-GB"/>
           </a:p>
@@ -2755,7 +2858,7 @@
           <a:p>
             <a:fld id="{5334E2B5-F775-47D3-BA3B-9FD4FB1D1B05}" type="datetimeFigureOut">
               <a:rPr lang="en-GB" smtClean="0"/>
-              <a:t>15/09/2021</a:t>
+              <a:t>16/09/2021</a:t>
             </a:fld>
             <a:endParaRPr lang="en-GB"/>
           </a:p>
@@ -3031,7 +3134,7 @@
           <a:p>
             <a:fld id="{5334E2B5-F775-47D3-BA3B-9FD4FB1D1B05}" type="datetimeFigureOut">
               <a:rPr lang="en-GB" smtClean="0"/>
-              <a:t>15/09/2021</a:t>
+              <a:t>16/09/2021</a:t>
             </a:fld>
             <a:endParaRPr lang="en-GB"/>
           </a:p>
@@ -3299,7 +3402,7 @@
           <a:p>
             <a:fld id="{5334E2B5-F775-47D3-BA3B-9FD4FB1D1B05}" type="datetimeFigureOut">
               <a:rPr lang="en-GB" smtClean="0"/>
-              <a:t>15/09/2021</a:t>
+              <a:t>16/09/2021</a:t>
             </a:fld>
             <a:endParaRPr lang="en-GB"/>
           </a:p>
@@ -3714,7 +3817,7 @@
           <a:p>
             <a:fld id="{5334E2B5-F775-47D3-BA3B-9FD4FB1D1B05}" type="datetimeFigureOut">
               <a:rPr lang="en-GB" smtClean="0"/>
-              <a:t>15/09/2021</a:t>
+              <a:t>16/09/2021</a:t>
             </a:fld>
             <a:endParaRPr lang="en-GB"/>
           </a:p>
@@ -3856,7 +3959,7 @@
           <a:p>
             <a:fld id="{5334E2B5-F775-47D3-BA3B-9FD4FB1D1B05}" type="datetimeFigureOut">
               <a:rPr lang="en-GB" smtClean="0"/>
-              <a:t>15/09/2021</a:t>
+              <a:t>16/09/2021</a:t>
             </a:fld>
             <a:endParaRPr lang="en-GB"/>
           </a:p>
@@ -3969,7 +4072,7 @@
           <a:p>
             <a:fld id="{5334E2B5-F775-47D3-BA3B-9FD4FB1D1B05}" type="datetimeFigureOut">
               <a:rPr lang="en-GB" smtClean="0"/>
-              <a:t>15/09/2021</a:t>
+              <a:t>16/09/2021</a:t>
             </a:fld>
             <a:endParaRPr lang="en-GB"/>
           </a:p>
@@ -4282,7 +4385,7 @@
           <a:p>
             <a:fld id="{5334E2B5-F775-47D3-BA3B-9FD4FB1D1B05}" type="datetimeFigureOut">
               <a:rPr lang="en-GB" smtClean="0"/>
-              <a:t>15/09/2021</a:t>
+              <a:t>16/09/2021</a:t>
             </a:fld>
             <a:endParaRPr lang="en-GB"/>
           </a:p>
@@ -4571,7 +4674,7 @@
           <a:p>
             <a:fld id="{5334E2B5-F775-47D3-BA3B-9FD4FB1D1B05}" type="datetimeFigureOut">
               <a:rPr lang="en-GB" smtClean="0"/>
-              <a:t>15/09/2021</a:t>
+              <a:t>16/09/2021</a:t>
             </a:fld>
             <a:endParaRPr lang="en-GB"/>
           </a:p>
@@ -4814,7 +4917,7 @@
           <a:p>
             <a:fld id="{5334E2B5-F775-47D3-BA3B-9FD4FB1D1B05}" type="datetimeFigureOut">
               <a:rPr lang="en-GB" smtClean="0"/>
-              <a:t>15/09/2021</a:t>
+              <a:t>16/09/2021</a:t>
             </a:fld>
             <a:endParaRPr lang="en-GB"/>
           </a:p>
@@ -7682,6 +7785,579 @@
     <p:extLst>
       <p:ext uri="{BB962C8B-B14F-4D97-AF65-F5344CB8AC3E}">
         <p14:creationId xmlns:p14="http://schemas.microsoft.com/office/powerpoint/2010/main" val="4138612706"/>
+      </p:ext>
+    </p:extLst>
+  </p:cSld>
+  <p:clrMapOvr>
+    <a:masterClrMapping/>
+  </p:clrMapOvr>
+</p:sld>
+</file>
+
+<file path=ppt/slides/slide4.xml><?xml version="1.0" encoding="utf-8"?>
+<p:sld xmlns:a="http://schemas.openxmlformats.org/drawingml/2006/main" xmlns:r="http://schemas.openxmlformats.org/officeDocument/2006/relationships" xmlns:p="http://schemas.openxmlformats.org/presentationml/2006/main">
+  <p:cSld>
+    <p:spTree>
+      <p:nvGrpSpPr>
+        <p:cNvPr id="1" name=""/>
+        <p:cNvGrpSpPr/>
+        <p:nvPr/>
+      </p:nvGrpSpPr>
+      <p:grpSpPr>
+        <a:xfrm>
+          <a:off x="0" y="0"/>
+          <a:ext cx="0" cy="0"/>
+          <a:chOff x="0" y="0"/>
+          <a:chExt cx="0" cy="0"/>
+        </a:xfrm>
+      </p:grpSpPr>
+      <p:cxnSp>
+        <p:nvCxnSpPr>
+          <p:cNvPr id="10" name="Straight Connector 9">
+            <a:extLst>
+              <a:ext uri="{FF2B5EF4-FFF2-40B4-BE49-F238E27FC236}">
+                <a16:creationId xmlns:a16="http://schemas.microsoft.com/office/drawing/2014/main" id="{9414E8DA-F9C6-40D9-B7CA-77D6F9C7C78E}"/>
+              </a:ext>
+            </a:extLst>
+          </p:cNvPr>
+          <p:cNvCxnSpPr/>
+          <p:nvPr/>
+        </p:nvCxnSpPr>
+        <p:spPr>
+          <a:xfrm>
+            <a:off x="0" y="480820"/>
+            <a:ext cx="12192000" cy="0"/>
+          </a:xfrm>
+          <a:prstGeom prst="line">
+            <a:avLst/>
+          </a:prstGeom>
+        </p:spPr>
+        <p:style>
+          <a:lnRef idx="1">
+            <a:schemeClr val="dk1"/>
+          </a:lnRef>
+          <a:fillRef idx="0">
+            <a:schemeClr val="dk1"/>
+          </a:fillRef>
+          <a:effectRef idx="0">
+            <a:schemeClr val="dk1"/>
+          </a:effectRef>
+          <a:fontRef idx="minor">
+            <a:schemeClr val="tx1"/>
+          </a:fontRef>
+        </p:style>
+      </p:cxnSp>
+      <p:sp>
+        <p:nvSpPr>
+          <p:cNvPr id="11" name="TextBox 10">
+            <a:extLst>
+              <a:ext uri="{FF2B5EF4-FFF2-40B4-BE49-F238E27FC236}">
+                <a16:creationId xmlns:a16="http://schemas.microsoft.com/office/drawing/2014/main" id="{773E21A7-D274-485E-85E1-3FBC48947A60}"/>
+              </a:ext>
+            </a:extLst>
+          </p:cNvPr>
+          <p:cNvSpPr txBox="1"/>
+          <p:nvPr/>
+        </p:nvSpPr>
+        <p:spPr>
+          <a:xfrm>
+            <a:off x="3065318" y="14540"/>
+            <a:ext cx="5805499" cy="461665"/>
+          </a:xfrm>
+          <a:prstGeom prst="rect">
+            <a:avLst/>
+          </a:prstGeom>
+          <a:noFill/>
+        </p:spPr>
+        <p:txBody>
+          <a:bodyPr wrap="square" rtlCol="0">
+            <a:spAutoFit/>
+          </a:bodyPr>
+          <a:lstStyle/>
+          <a:p>
+            <a:pPr algn="ctr"/>
+            <a:r>
+              <a:rPr lang="en-GB" sz="2400" dirty="0"/>
+              <a:t>Difference between rosserial and </a:t>
+            </a:r>
+            <a:r>
+              <a:rPr lang="en-GB" sz="2400" dirty="0" err="1"/>
+              <a:t>micro_ros</a:t>
+            </a:r>
+            <a:endParaRPr lang="en-GB" sz="2400" dirty="0"/>
+          </a:p>
+        </p:txBody>
+      </p:sp>
+      <p:pic>
+        <p:nvPicPr>
+          <p:cNvPr id="3" name="Picture 2" descr="Logo&#10;&#10;Description automatically generated">
+            <a:extLst>
+              <a:ext uri="{FF2B5EF4-FFF2-40B4-BE49-F238E27FC236}">
+                <a16:creationId xmlns:a16="http://schemas.microsoft.com/office/drawing/2014/main" id="{2D44A9A7-27E9-454F-B9DF-6556177845A3}"/>
+              </a:ext>
+            </a:extLst>
+          </p:cNvPr>
+          <p:cNvPicPr>
+            <a:picLocks noChangeAspect="1"/>
+          </p:cNvPicPr>
+          <p:nvPr/>
+        </p:nvPicPr>
+        <p:blipFill>
+          <a:blip r:embed="rId3">
+            <a:extLst>
+              <a:ext uri="{28A0092B-C50C-407E-A947-70E740481C1C}">
+                <a14:useLocalDpi xmlns:a14="http://schemas.microsoft.com/office/drawing/2010/main" val="0"/>
+              </a:ext>
+            </a:extLst>
+          </a:blip>
+          <a:stretch>
+            <a:fillRect/>
+          </a:stretch>
+        </p:blipFill>
+        <p:spPr>
+          <a:xfrm>
+            <a:off x="1395978" y="895840"/>
+            <a:ext cx="1935348" cy="752800"/>
+          </a:xfrm>
+          <a:prstGeom prst="rect">
+            <a:avLst/>
+          </a:prstGeom>
+        </p:spPr>
+      </p:pic>
+      <p:pic>
+        <p:nvPicPr>
+          <p:cNvPr id="1028" name="Picture 4" descr="Ros-Rotary Encoder :-counting the rotation. - YouTube">
+            <a:extLst>
+              <a:ext uri="{FF2B5EF4-FFF2-40B4-BE49-F238E27FC236}">
+                <a16:creationId xmlns:a16="http://schemas.microsoft.com/office/drawing/2014/main" id="{A6CF3890-68D3-4F37-84F4-5C2851794783}"/>
+              </a:ext>
+            </a:extLst>
+          </p:cNvPr>
+          <p:cNvPicPr>
+            <a:picLocks noChangeAspect="1" noChangeArrowheads="1"/>
+          </p:cNvPicPr>
+          <p:nvPr/>
+        </p:nvPicPr>
+        <p:blipFill rotWithShape="1">
+          <a:blip r:embed="rId4">
+            <a:extLst>
+              <a:ext uri="{28A0092B-C50C-407E-A947-70E740481C1C}">
+                <a14:useLocalDpi xmlns:a14="http://schemas.microsoft.com/office/drawing/2010/main" val="0"/>
+              </a:ext>
+            </a:extLst>
+          </a:blip>
+          <a:srcRect t="23529" b="24006"/>
+          <a:stretch/>
+        </p:blipFill>
+        <p:spPr bwMode="auto">
+          <a:xfrm>
+            <a:off x="4170223" y="1149882"/>
+            <a:ext cx="1742902" cy="685800"/>
+          </a:xfrm>
+          <a:prstGeom prst="rect">
+            <a:avLst/>
+          </a:prstGeom>
+          <a:noFill/>
+          <a:extLst>
+            <a:ext uri="{909E8E84-426E-40DD-AFC4-6F175D3DCCD1}">
+              <a14:hiddenFill xmlns:a14="http://schemas.microsoft.com/office/drawing/2010/main">
+                <a:solidFill>
+                  <a:srgbClr val="FFFFFF"/>
+                </a:solidFill>
+              </a14:hiddenFill>
+            </a:ext>
+          </a:extLst>
+        </p:spPr>
+      </p:pic>
+      <p:pic>
+        <p:nvPicPr>
+          <p:cNvPr id="1030" name="Picture 6" descr="micro-ROS | ROS 2 for microcontrollers">
+            <a:extLst>
+              <a:ext uri="{FF2B5EF4-FFF2-40B4-BE49-F238E27FC236}">
+                <a16:creationId xmlns:a16="http://schemas.microsoft.com/office/drawing/2014/main" id="{FBCD6906-FE01-40D8-BE72-F97A4CED6277}"/>
+              </a:ext>
+            </a:extLst>
+          </p:cNvPr>
+          <p:cNvPicPr>
+            <a:picLocks noChangeAspect="1" noChangeArrowheads="1"/>
+          </p:cNvPicPr>
+          <p:nvPr/>
+        </p:nvPicPr>
+        <p:blipFill>
+          <a:blip r:embed="rId5">
+            <a:extLst>
+              <a:ext uri="{28A0092B-C50C-407E-A947-70E740481C1C}">
+                <a14:useLocalDpi xmlns:a14="http://schemas.microsoft.com/office/drawing/2010/main" val="0"/>
+              </a:ext>
+            </a:extLst>
+          </a:blip>
+          <a:srcRect/>
+          <a:stretch>
+            <a:fillRect/>
+          </a:stretch>
+        </p:blipFill>
+        <p:spPr bwMode="auto">
+          <a:xfrm>
+            <a:off x="6813239" y="1331274"/>
+            <a:ext cx="972589" cy="329009"/>
+          </a:xfrm>
+          <a:prstGeom prst="rect">
+            <a:avLst/>
+          </a:prstGeom>
+          <a:noFill/>
+          <a:extLst>
+            <a:ext uri="{909E8E84-426E-40DD-AFC4-6F175D3DCCD1}">
+              <a14:hiddenFill xmlns:a14="http://schemas.microsoft.com/office/drawing/2010/main">
+                <a:solidFill>
+                  <a:srgbClr val="FFFFFF"/>
+                </a:solidFill>
+              </a14:hiddenFill>
+            </a:ext>
+          </a:extLst>
+        </p:spPr>
+      </p:pic>
+      <p:sp>
+        <p:nvSpPr>
+          <p:cNvPr id="4" name="TextBox 3">
+            <a:extLst>
+              <a:ext uri="{FF2B5EF4-FFF2-40B4-BE49-F238E27FC236}">
+                <a16:creationId xmlns:a16="http://schemas.microsoft.com/office/drawing/2014/main" id="{98305CFE-5230-43CD-B8A9-4A16C457057B}"/>
+              </a:ext>
+            </a:extLst>
+          </p:cNvPr>
+          <p:cNvSpPr txBox="1"/>
+          <p:nvPr/>
+        </p:nvSpPr>
+        <p:spPr>
+          <a:xfrm>
+            <a:off x="4504458" y="1622042"/>
+            <a:ext cx="1055716" cy="369332"/>
+          </a:xfrm>
+          <a:prstGeom prst="rect">
+            <a:avLst/>
+          </a:prstGeom>
+          <a:noFill/>
+        </p:spPr>
+        <p:txBody>
+          <a:bodyPr wrap="square" rtlCol="0">
+            <a:spAutoFit/>
+          </a:bodyPr>
+          <a:lstStyle/>
+          <a:p>
+            <a:pPr algn="ctr"/>
+            <a:r>
+              <a:rPr lang="en-GB" dirty="0"/>
+              <a:t>rosserial</a:t>
+            </a:r>
+          </a:p>
+        </p:txBody>
+      </p:sp>
+      <p:sp>
+        <p:nvSpPr>
+          <p:cNvPr id="12" name="TextBox 11">
+            <a:extLst>
+              <a:ext uri="{FF2B5EF4-FFF2-40B4-BE49-F238E27FC236}">
+                <a16:creationId xmlns:a16="http://schemas.microsoft.com/office/drawing/2014/main" id="{BC1F075A-8DA8-4ADC-9D67-508D42238BF9}"/>
+              </a:ext>
+            </a:extLst>
+          </p:cNvPr>
+          <p:cNvSpPr txBox="1"/>
+          <p:nvPr/>
+        </p:nvSpPr>
+        <p:spPr>
+          <a:xfrm>
+            <a:off x="6631828" y="1633185"/>
+            <a:ext cx="1439701" cy="369332"/>
+          </a:xfrm>
+          <a:prstGeom prst="rect">
+            <a:avLst/>
+          </a:prstGeom>
+          <a:noFill/>
+        </p:spPr>
+        <p:txBody>
+          <a:bodyPr wrap="square" rtlCol="0">
+            <a:spAutoFit/>
+          </a:bodyPr>
+          <a:lstStyle/>
+          <a:p>
+            <a:pPr algn="ctr"/>
+            <a:r>
+              <a:rPr lang="en-GB" dirty="0"/>
+              <a:t>micro_ros</a:t>
+            </a:r>
+          </a:p>
+        </p:txBody>
+      </p:sp>
+      <p:cxnSp>
+        <p:nvCxnSpPr>
+          <p:cNvPr id="6" name="Straight Arrow Connector 5">
+            <a:extLst>
+              <a:ext uri="{FF2B5EF4-FFF2-40B4-BE49-F238E27FC236}">
+                <a16:creationId xmlns:a16="http://schemas.microsoft.com/office/drawing/2014/main" id="{B5C2A813-BE62-4F1E-A1EA-5BA1356C4022}"/>
+              </a:ext>
+            </a:extLst>
+          </p:cNvPr>
+          <p:cNvCxnSpPr>
+            <a:stCxn id="3" idx="3"/>
+          </p:cNvCxnSpPr>
+          <p:nvPr/>
+        </p:nvCxnSpPr>
+        <p:spPr>
+          <a:xfrm>
+            <a:off x="3331326" y="1272240"/>
+            <a:ext cx="5578319" cy="0"/>
+          </a:xfrm>
+          <a:prstGeom prst="straightConnector1">
+            <a:avLst/>
+          </a:prstGeom>
+          <a:ln w="19050">
+            <a:tailEnd type="triangle"/>
+          </a:ln>
+        </p:spPr>
+        <p:style>
+          <a:lnRef idx="1">
+            <a:schemeClr val="dk1"/>
+          </a:lnRef>
+          <a:fillRef idx="0">
+            <a:schemeClr val="dk1"/>
+          </a:fillRef>
+          <a:effectRef idx="0">
+            <a:schemeClr val="dk1"/>
+          </a:effectRef>
+          <a:fontRef idx="minor">
+            <a:schemeClr val="tx1"/>
+          </a:fontRef>
+        </p:style>
+      </p:cxnSp>
+      <p:pic>
+        <p:nvPicPr>
+          <p:cNvPr id="1032" name="Picture 8">
+            <a:extLst>
+              <a:ext uri="{FF2B5EF4-FFF2-40B4-BE49-F238E27FC236}">
+                <a16:creationId xmlns:a16="http://schemas.microsoft.com/office/drawing/2014/main" id="{59FC356E-24B6-4884-B09B-A57DBE4C1768}"/>
+              </a:ext>
+            </a:extLst>
+          </p:cNvPr>
+          <p:cNvPicPr>
+            <a:picLocks noChangeAspect="1" noChangeArrowheads="1"/>
+          </p:cNvPicPr>
+          <p:nvPr/>
+        </p:nvPicPr>
+        <p:blipFill>
+          <a:blip r:embed="rId6">
+            <a:extLst>
+              <a:ext uri="{28A0092B-C50C-407E-A947-70E740481C1C}">
+                <a14:useLocalDpi xmlns:a14="http://schemas.microsoft.com/office/drawing/2010/main" val="0"/>
+              </a:ext>
+            </a:extLst>
+          </a:blip>
+          <a:srcRect/>
+          <a:stretch>
+            <a:fillRect/>
+          </a:stretch>
+        </p:blipFill>
+        <p:spPr bwMode="auto">
+          <a:xfrm>
+            <a:off x="9035936" y="1097213"/>
+            <a:ext cx="1317851" cy="350054"/>
+          </a:xfrm>
+          <a:prstGeom prst="rect">
+            <a:avLst/>
+          </a:prstGeom>
+          <a:noFill/>
+          <a:extLst>
+            <a:ext uri="{909E8E84-426E-40DD-AFC4-6F175D3DCCD1}">
+              <a14:hiddenFill xmlns:a14="http://schemas.microsoft.com/office/drawing/2010/main">
+                <a:solidFill>
+                  <a:srgbClr val="FFFFFF"/>
+                </a:solidFill>
+              </a14:hiddenFill>
+            </a:ext>
+          </a:extLst>
+        </p:spPr>
+      </p:pic>
+      <p:pic>
+        <p:nvPicPr>
+          <p:cNvPr id="1040" name="Picture 16" descr="Telegram Themes for android and iOS | Telegram Themes">
+            <a:extLst>
+              <a:ext uri="{FF2B5EF4-FFF2-40B4-BE49-F238E27FC236}">
+                <a16:creationId xmlns:a16="http://schemas.microsoft.com/office/drawing/2014/main" id="{2F27DCCD-1089-47DB-B90A-D4B62FF272F9}"/>
+              </a:ext>
+            </a:extLst>
+          </p:cNvPr>
+          <p:cNvPicPr>
+            <a:picLocks noChangeAspect="1" noChangeArrowheads="1"/>
+          </p:cNvPicPr>
+          <p:nvPr/>
+        </p:nvPicPr>
+        <p:blipFill rotWithShape="1">
+          <a:blip r:embed="rId7">
+            <a:clrChange>
+              <a:clrFrom>
+                <a:srgbClr val="000000">
+                  <a:alpha val="0"/>
+                </a:srgbClr>
+              </a:clrFrom>
+              <a:clrTo>
+                <a:srgbClr val="000000">
+                  <a:alpha val="0"/>
+                </a:srgbClr>
+              </a:clrTo>
+            </a:clrChange>
+            <a:extLst>
+              <a:ext uri="{28A0092B-C50C-407E-A947-70E740481C1C}">
+                <a14:useLocalDpi xmlns:a14="http://schemas.microsoft.com/office/drawing/2010/main" val="0"/>
+              </a:ext>
+            </a:extLst>
+          </a:blip>
+          <a:srcRect b="23261"/>
+          <a:stretch/>
+        </p:blipFill>
+        <p:spPr bwMode="auto">
+          <a:xfrm>
+            <a:off x="9040770" y="1624304"/>
+            <a:ext cx="1313017" cy="428706"/>
+          </a:xfrm>
+          <a:prstGeom prst="rect">
+            <a:avLst/>
+          </a:prstGeom>
+          <a:noFill/>
+          <a:extLst>
+            <a:ext uri="{909E8E84-426E-40DD-AFC4-6F175D3DCCD1}">
+              <a14:hiddenFill xmlns:a14="http://schemas.microsoft.com/office/drawing/2010/main">
+                <a:solidFill>
+                  <a:srgbClr val="FFFFFF"/>
+                </a:solidFill>
+              </a14:hiddenFill>
+            </a:ext>
+          </a:extLst>
+        </p:spPr>
+      </p:pic>
+      <p:pic>
+        <p:nvPicPr>
+          <p:cNvPr id="1042" name="Picture 18" descr="Microcontroller Icons - Download Free Vector Icons | Noun Project">
+            <a:extLst>
+              <a:ext uri="{FF2B5EF4-FFF2-40B4-BE49-F238E27FC236}">
+                <a16:creationId xmlns:a16="http://schemas.microsoft.com/office/drawing/2014/main" id="{861B3BDB-EDDA-4B01-8AB7-79BFEB05C5A3}"/>
+              </a:ext>
+            </a:extLst>
+          </p:cNvPr>
+          <p:cNvPicPr>
+            <a:picLocks noChangeAspect="1" noChangeArrowheads="1"/>
+          </p:cNvPicPr>
+          <p:nvPr/>
+        </p:nvPicPr>
+        <p:blipFill>
+          <a:blip r:embed="rId8">
+            <a:extLst>
+              <a:ext uri="{28A0092B-C50C-407E-A947-70E740481C1C}">
+                <a14:useLocalDpi xmlns:a14="http://schemas.microsoft.com/office/drawing/2010/main" val="0"/>
+              </a:ext>
+            </a:extLst>
+          </a:blip>
+          <a:srcRect/>
+          <a:stretch>
+            <a:fillRect/>
+          </a:stretch>
+        </p:blipFill>
+        <p:spPr bwMode="auto">
+          <a:xfrm rot="16200000">
+            <a:off x="2129719" y="1668900"/>
+            <a:ext cx="339514" cy="339514"/>
+          </a:xfrm>
+          <a:prstGeom prst="rect">
+            <a:avLst/>
+          </a:prstGeom>
+          <a:noFill/>
+          <a:extLst>
+            <a:ext uri="{909E8E84-426E-40DD-AFC4-6F175D3DCCD1}">
+              <a14:hiddenFill xmlns:a14="http://schemas.microsoft.com/office/drawing/2010/main">
+                <a:solidFill>
+                  <a:srgbClr val="FFFFFF"/>
+                </a:solidFill>
+              </a14:hiddenFill>
+            </a:ext>
+          </a:extLst>
+        </p:spPr>
+      </p:pic>
+      <p:sp>
+        <p:nvSpPr>
+          <p:cNvPr id="33" name="TextBox 3">
+            <a:extLst>
+              <a:ext uri="{FF2B5EF4-FFF2-40B4-BE49-F238E27FC236}">
+                <a16:creationId xmlns:a16="http://schemas.microsoft.com/office/drawing/2014/main" id="{F309079A-AAC7-428E-92F8-AFB1039C10A7}"/>
+              </a:ext>
+            </a:extLst>
+          </p:cNvPr>
+          <p:cNvSpPr txBox="1"/>
+          <p:nvPr/>
+        </p:nvSpPr>
+        <p:spPr>
+          <a:xfrm>
+            <a:off x="4102039" y="826006"/>
+            <a:ext cx="3987921" cy="369332"/>
+          </a:xfrm>
+          <a:prstGeom prst="rect">
+            <a:avLst/>
+          </a:prstGeom>
+          <a:noFill/>
+        </p:spPr>
+        <p:txBody>
+          <a:bodyPr wrap="square" rtlCol="0">
+            <a:spAutoFit/>
+          </a:bodyPr>
+          <a:lstStyle/>
+          <a:p>
+            <a:pPr algn="ctr"/>
+            <a:r>
+              <a:rPr lang="en-US" dirty="0"/>
+              <a:t>ROS decouples software from hardware.</a:t>
+            </a:r>
+            <a:endParaRPr lang="en-GB" dirty="0"/>
+          </a:p>
+        </p:txBody>
+      </p:sp>
+      <p:sp>
+        <p:nvSpPr>
+          <p:cNvPr id="34" name="TextBox 3">
+            <a:extLst>
+              <a:ext uri="{FF2B5EF4-FFF2-40B4-BE49-F238E27FC236}">
+                <a16:creationId xmlns:a16="http://schemas.microsoft.com/office/drawing/2014/main" id="{228736ED-C723-4A47-A9BE-3C5ECC25099E}"/>
+              </a:ext>
+            </a:extLst>
+          </p:cNvPr>
+          <p:cNvSpPr txBox="1"/>
+          <p:nvPr/>
+        </p:nvSpPr>
+        <p:spPr>
+          <a:xfrm>
+            <a:off x="3273355" y="1991374"/>
+            <a:ext cx="5597462" cy="369332"/>
+          </a:xfrm>
+          <a:prstGeom prst="rect">
+            <a:avLst/>
+          </a:prstGeom>
+          <a:noFill/>
+        </p:spPr>
+        <p:txBody>
+          <a:bodyPr wrap="square" rtlCol="0">
+            <a:spAutoFit/>
+          </a:bodyPr>
+          <a:lstStyle/>
+          <a:p>
+            <a:pPr algn="ctr"/>
+            <a:r>
+              <a:rPr lang="en-US" dirty="0"/>
+              <a:t>RT-Thread provides support for real-time applications.</a:t>
+            </a:r>
+            <a:endParaRPr lang="en-GB" dirty="0"/>
+          </a:p>
+        </p:txBody>
+      </p:sp>
+    </p:spTree>
+    <p:extLst>
+      <p:ext uri="{BB962C8B-B14F-4D97-AF65-F5344CB8AC3E}">
+        <p14:creationId xmlns:p14="http://schemas.microsoft.com/office/powerpoint/2010/main" val="4186394972"/>
       </p:ext>
     </p:extLst>
   </p:cSld>
